--- a/docs/diagrams/DependencyActivityDiagram.pptx
+++ b/docs/diagrams/DependencyActivityDiagram.pptx
@@ -3810,7 +3810,7 @@
         </p:nvGrpSpPr>
         <p:grpSpPr>
           <a:xfrm>
-            <a:off x="4595833" y="6328390"/>
+            <a:off x="4595835" y="6338259"/>
             <a:ext cx="235669" cy="235669"/>
             <a:chOff x="8040730" y="5082186"/>
             <a:chExt cx="235669" cy="235669"/>
@@ -3960,14 +3960,14 @@
           <p:cNvPr id="74" name="Elbow Connector 73"/>
           <p:cNvCxnSpPr>
             <a:cxnSpLocks/>
-            <a:stCxn id="67" idx="2"/>
+            <a:endCxn id="68" idx="0"/>
           </p:cNvCxnSpPr>
           <p:nvPr/>
         </p:nvCxnSpPr>
         <p:spPr>
           <a:xfrm rot="5400000">
-            <a:off x="4558837" y="6179909"/>
-            <a:ext cx="303316" cy="6349"/>
+            <a:off x="4562543" y="6186072"/>
+            <a:ext cx="303315" cy="1059"/>
           </a:xfrm>
           <a:prstGeom prst="bentConnector3">
             <a:avLst>
